--- a/materials/YesNLP-24Fa02-Jiho.pptx
+++ b/materials/YesNLP-24Fa02-Jiho.pptx
@@ -21,6 +21,15 @@
     <p:sldId id="270" r:id="rId15"/>
     <p:sldId id="271" r:id="rId16"/>
     <p:sldId id="272" r:id="rId17"/>
+    <p:sldId id="274" r:id="rId18"/>
+    <p:sldId id="275" r:id="rId19"/>
+    <p:sldId id="278" r:id="rId20"/>
+    <p:sldId id="277" r:id="rId21"/>
+    <p:sldId id="273" r:id="rId22"/>
+    <p:sldId id="276" r:id="rId23"/>
+    <p:sldId id="279" r:id="rId24"/>
+    <p:sldId id="280" r:id="rId25"/>
+    <p:sldId id="281" r:id="rId26"/>
   </p:sldIdLst>
   <p:sldSz cx="12192000" cy="6858000"/>
   <p:notesSz cx="6858000" cy="9144000"/>
@@ -273,7 +282,7 @@
           <a:lstStyle/>
           <a:p>
             <a:fld id="{915C0E14-EFE7-1641-8C76-7D99DA53226C}" type="datetimeFigureOut">
-              <a:t>8/30/24</a:t>
+              <a:t>9/4/24</a:t>
             </a:fld>
             <a:endParaRPr lang="en-US"/>
           </a:p>
@@ -469,7 +478,7 @@
           <a:lstStyle/>
           <a:p>
             <a:fld id="{915C0E14-EFE7-1641-8C76-7D99DA53226C}" type="datetimeFigureOut">
-              <a:t>8/30/24</a:t>
+              <a:t>9/4/24</a:t>
             </a:fld>
             <a:endParaRPr lang="en-US"/>
           </a:p>
@@ -675,7 +684,7 @@
           <a:lstStyle/>
           <a:p>
             <a:fld id="{915C0E14-EFE7-1641-8C76-7D99DA53226C}" type="datetimeFigureOut">
-              <a:t>8/30/24</a:t>
+              <a:t>9/4/24</a:t>
             </a:fld>
             <a:endParaRPr lang="en-US"/>
           </a:p>
@@ -871,7 +880,7 @@
           <a:lstStyle/>
           <a:p>
             <a:fld id="{915C0E14-EFE7-1641-8C76-7D99DA53226C}" type="datetimeFigureOut">
-              <a:t>8/30/24</a:t>
+              <a:t>9/4/24</a:t>
             </a:fld>
             <a:endParaRPr lang="en-US"/>
           </a:p>
@@ -1144,7 +1153,7 @@
           <a:lstStyle/>
           <a:p>
             <a:fld id="{915C0E14-EFE7-1641-8C76-7D99DA53226C}" type="datetimeFigureOut">
-              <a:t>8/30/24</a:t>
+              <a:t>9/4/24</a:t>
             </a:fld>
             <a:endParaRPr lang="en-US"/>
           </a:p>
@@ -1407,7 +1416,7 @@
           <a:lstStyle/>
           <a:p>
             <a:fld id="{915C0E14-EFE7-1641-8C76-7D99DA53226C}" type="datetimeFigureOut">
-              <a:t>8/30/24</a:t>
+              <a:t>9/4/24</a:t>
             </a:fld>
             <a:endParaRPr lang="en-US"/>
           </a:p>
@@ -1817,7 +1826,7 @@
           <a:lstStyle/>
           <a:p>
             <a:fld id="{915C0E14-EFE7-1641-8C76-7D99DA53226C}" type="datetimeFigureOut">
-              <a:t>8/30/24</a:t>
+              <a:t>9/4/24</a:t>
             </a:fld>
             <a:endParaRPr lang="en-US"/>
           </a:p>
@@ -1956,7 +1965,7 @@
           <a:lstStyle/>
           <a:p>
             <a:fld id="{915C0E14-EFE7-1641-8C76-7D99DA53226C}" type="datetimeFigureOut">
-              <a:t>8/30/24</a:t>
+              <a:t>9/4/24</a:t>
             </a:fld>
             <a:endParaRPr lang="en-US"/>
           </a:p>
@@ -2067,7 +2076,7 @@
           <a:lstStyle/>
           <a:p>
             <a:fld id="{915C0E14-EFE7-1641-8C76-7D99DA53226C}" type="datetimeFigureOut">
-              <a:t>8/30/24</a:t>
+              <a:t>9/4/24</a:t>
             </a:fld>
             <a:endParaRPr lang="en-US"/>
           </a:p>
@@ -2376,7 +2385,7 @@
           <a:lstStyle/>
           <a:p>
             <a:fld id="{915C0E14-EFE7-1641-8C76-7D99DA53226C}" type="datetimeFigureOut">
-              <a:t>8/30/24</a:t>
+              <a:t>9/4/24</a:t>
             </a:fld>
             <a:endParaRPr lang="en-US"/>
           </a:p>
@@ -2662,7 +2671,7 @@
           <a:lstStyle/>
           <a:p>
             <a:fld id="{915C0E14-EFE7-1641-8C76-7D99DA53226C}" type="datetimeFigureOut">
-              <a:t>8/30/24</a:t>
+              <a:t>9/4/24</a:t>
             </a:fld>
             <a:endParaRPr lang="en-US"/>
           </a:p>
@@ -2901,7 +2910,7 @@
           </a:lstStyle>
           <a:p>
             <a:fld id="{915C0E14-EFE7-1641-8C76-7D99DA53226C}" type="datetimeFigureOut">
-              <a:t>8/30/24</a:t>
+              <a:t>9/4/24</a:t>
             </a:fld>
             <a:endParaRPr lang="en-US"/>
           </a:p>
@@ -4507,6 +4516,393 @@
 </p:sld>
 </file>
 
+<file path=ppt/slides/slide17.xml><?xml version="1.0" encoding="utf-8"?>
+<p:sld xmlns:a="http://schemas.openxmlformats.org/drawingml/2006/main" xmlns:r="http://schemas.openxmlformats.org/officeDocument/2006/relationships" xmlns:p="http://schemas.openxmlformats.org/presentationml/2006/main">
+  <p:cSld>
+    <p:spTree>
+      <p:nvGrpSpPr>
+        <p:cNvPr id="1" name=""/>
+        <p:cNvGrpSpPr/>
+        <p:nvPr/>
+      </p:nvGrpSpPr>
+      <p:grpSpPr>
+        <a:xfrm>
+          <a:off x="0" y="0"/>
+          <a:ext cx="0" cy="0"/>
+          <a:chOff x="0" y="0"/>
+          <a:chExt cx="0" cy="0"/>
+        </a:xfrm>
+      </p:grpSpPr>
+      <p:sp>
+        <p:nvSpPr>
+          <p:cNvPr id="2" name="Title 1">
+            <a:extLst>
+              <a:ext uri="{FF2B5EF4-FFF2-40B4-BE49-F238E27FC236}">
+                <a16:creationId xmlns:a16="http://schemas.microsoft.com/office/drawing/2014/main" id="{20D1461E-D5C6-AC95-7590-098D37C4411F}"/>
+              </a:ext>
+            </a:extLst>
+          </p:cNvPr>
+          <p:cNvSpPr>
+            <a:spLocks noGrp="1"/>
+          </p:cNvSpPr>
+          <p:nvPr>
+            <p:ph type="title"/>
+          </p:nvPr>
+        </p:nvSpPr>
+        <p:spPr/>
+        <p:txBody>
+          <a:bodyPr/>
+          <a:lstStyle/>
+          <a:p>
+            <a:r>
+              <a:rPr lang="en-US"/>
+              <a:t>Evaluation</a:t>
+            </a:r>
+          </a:p>
+        </p:txBody>
+      </p:sp>
+      <p:sp>
+        <p:nvSpPr>
+          <p:cNvPr id="3" name="Text Placeholder 2">
+            <a:extLst>
+              <a:ext uri="{FF2B5EF4-FFF2-40B4-BE49-F238E27FC236}">
+                <a16:creationId xmlns:a16="http://schemas.microsoft.com/office/drawing/2014/main" id="{A5F19184-C70F-E425-C950-4CC4ECF047FB}"/>
+              </a:ext>
+            </a:extLst>
+          </p:cNvPr>
+          <p:cNvSpPr>
+            <a:spLocks noGrp="1"/>
+          </p:cNvSpPr>
+          <p:nvPr>
+            <p:ph type="body" idx="1"/>
+          </p:nvPr>
+        </p:nvSpPr>
+        <p:spPr/>
+        <p:txBody>
+          <a:bodyPr/>
+          <a:lstStyle/>
+          <a:p>
+            <a:endParaRPr lang="en-US"/>
+          </a:p>
+        </p:txBody>
+      </p:sp>
+    </p:spTree>
+    <p:extLst>
+      <p:ext uri="{BB962C8B-B14F-4D97-AF65-F5344CB8AC3E}">
+        <p14:creationId xmlns:p14="http://schemas.microsoft.com/office/powerpoint/2010/main" val="2374818678"/>
+      </p:ext>
+    </p:extLst>
+  </p:cSld>
+  <p:clrMapOvr>
+    <a:masterClrMapping/>
+  </p:clrMapOvr>
+</p:sld>
+</file>
+
+<file path=ppt/slides/slide18.xml><?xml version="1.0" encoding="utf-8"?>
+<p:sld xmlns:a="http://schemas.openxmlformats.org/drawingml/2006/main" xmlns:r="http://schemas.openxmlformats.org/officeDocument/2006/relationships" xmlns:p="http://schemas.openxmlformats.org/presentationml/2006/main">
+  <p:cSld>
+    <p:spTree>
+      <p:nvGrpSpPr>
+        <p:cNvPr id="1" name=""/>
+        <p:cNvGrpSpPr/>
+        <p:nvPr/>
+      </p:nvGrpSpPr>
+      <p:grpSpPr>
+        <a:xfrm>
+          <a:off x="0" y="0"/>
+          <a:ext cx="0" cy="0"/>
+          <a:chOff x="0" y="0"/>
+          <a:chExt cx="0" cy="0"/>
+        </a:xfrm>
+      </p:grpSpPr>
+      <p:sp>
+        <p:nvSpPr>
+          <p:cNvPr id="2" name="Title 1">
+            <a:extLst>
+              <a:ext uri="{FF2B5EF4-FFF2-40B4-BE49-F238E27FC236}">
+                <a16:creationId xmlns:a16="http://schemas.microsoft.com/office/drawing/2014/main" id="{83C73F1A-ED0B-52C9-89B4-25CAB409095E}"/>
+              </a:ext>
+            </a:extLst>
+          </p:cNvPr>
+          <p:cNvSpPr>
+            <a:spLocks noGrp="1"/>
+          </p:cNvSpPr>
+          <p:nvPr>
+            <p:ph type="title"/>
+          </p:nvPr>
+        </p:nvSpPr>
+        <p:spPr/>
+        <p:txBody>
+          <a:bodyPr/>
+          <a:lstStyle/>
+          <a:p>
+            <a:r>
+              <a:rPr lang="en-US"/>
+              <a:t>Evaluation (</a:t>
+            </a:r>
+            <a:r>
+              <a:rPr lang="en-US">
+                <a:hlinkClick r:id="rId2"/>
+              </a:rPr>
+              <a:t>script</a:t>
+            </a:r>
+            <a:r>
+              <a:rPr lang="en-US"/>
+              <a:t>)</a:t>
+            </a:r>
+          </a:p>
+        </p:txBody>
+      </p:sp>
+      <p:sp>
+        <p:nvSpPr>
+          <p:cNvPr id="3" name="Content Placeholder 2">
+            <a:extLst>
+              <a:ext uri="{FF2B5EF4-FFF2-40B4-BE49-F238E27FC236}">
+                <a16:creationId xmlns:a16="http://schemas.microsoft.com/office/drawing/2014/main" id="{7C0E8E7F-411B-46A2-CB95-441D4837A79F}"/>
+              </a:ext>
+            </a:extLst>
+          </p:cNvPr>
+          <p:cNvSpPr>
+            <a:spLocks noGrp="1"/>
+          </p:cNvSpPr>
+          <p:nvPr>
+            <p:ph idx="1"/>
+          </p:nvPr>
+        </p:nvSpPr>
+        <p:spPr/>
+        <p:txBody>
+          <a:bodyPr>
+            <a:normAutofit lnSpcReduction="10000"/>
+          </a:bodyPr>
+          <a:lstStyle/>
+          <a:p>
+            <a:r>
+              <a:rPr lang="en-US"/>
+              <a:t>Relevance</a:t>
+            </a:r>
+          </a:p>
+          <a:p>
+            <a:pPr lvl="1"/>
+            <a:r>
+              <a:rPr lang="en-US"/>
+              <a:t>ROUGE (1, 2, and L)</a:t>
+            </a:r>
+          </a:p>
+          <a:p>
+            <a:pPr lvl="1"/>
+            <a:r>
+              <a:rPr lang="en-US"/>
+              <a:t>BERTScore</a:t>
+            </a:r>
+          </a:p>
+          <a:p>
+            <a:r>
+              <a:rPr lang="en-US"/>
+              <a:t>Readability</a:t>
+            </a:r>
+          </a:p>
+          <a:p>
+            <a:pPr lvl="1"/>
+            <a:r>
+              <a:rPr lang="en-US"/>
+              <a:t>Flesch-Kincaid Grade Level (FKGL)</a:t>
+            </a:r>
+          </a:p>
+          <a:p>
+            <a:pPr lvl="1"/>
+            <a:r>
+              <a:rPr lang="en-US"/>
+              <a:t>Dale-Chall Readability Score (DCRS)</a:t>
+            </a:r>
+          </a:p>
+          <a:p>
+            <a:pPr lvl="1"/>
+            <a:r>
+              <a:rPr lang="en-US"/>
+              <a:t>Coleman-Liau Index (CLI)</a:t>
+            </a:r>
+          </a:p>
+          <a:p>
+            <a:pPr lvl="1"/>
+            <a:r>
+              <a:rPr lang="en-US"/>
+              <a:t>LENS</a:t>
+            </a:r>
+          </a:p>
+          <a:p>
+            <a:r>
+              <a:rPr lang="en-US"/>
+              <a:t>Factuality</a:t>
+            </a:r>
+          </a:p>
+          <a:p>
+            <a:pPr lvl="1"/>
+            <a:r>
+              <a:rPr lang="en-US"/>
+              <a:t>AlignScore</a:t>
+            </a:r>
+          </a:p>
+          <a:p>
+            <a:pPr lvl="1"/>
+            <a:r>
+              <a:rPr lang="en-US"/>
+              <a:t>SummaC</a:t>
+            </a:r>
+          </a:p>
+        </p:txBody>
+      </p:sp>
+    </p:spTree>
+    <p:extLst>
+      <p:ext uri="{BB962C8B-B14F-4D97-AF65-F5344CB8AC3E}">
+        <p14:creationId xmlns:p14="http://schemas.microsoft.com/office/powerpoint/2010/main" val="4068457215"/>
+      </p:ext>
+    </p:extLst>
+  </p:cSld>
+  <p:clrMapOvr>
+    <a:masterClrMapping/>
+  </p:clrMapOvr>
+</p:sld>
+</file>
+
+<file path=ppt/slides/slide19.xml><?xml version="1.0" encoding="utf-8"?>
+<p:sld xmlns:a="http://schemas.openxmlformats.org/drawingml/2006/main" xmlns:r="http://schemas.openxmlformats.org/officeDocument/2006/relationships" xmlns:p="http://schemas.openxmlformats.org/presentationml/2006/main">
+  <p:cSld>
+    <p:spTree>
+      <p:nvGrpSpPr>
+        <p:cNvPr id="1" name=""/>
+        <p:cNvGrpSpPr/>
+        <p:nvPr/>
+      </p:nvGrpSpPr>
+      <p:grpSpPr>
+        <a:xfrm>
+          <a:off x="0" y="0"/>
+          <a:ext cx="0" cy="0"/>
+          <a:chOff x="0" y="0"/>
+          <a:chExt cx="0" cy="0"/>
+        </a:xfrm>
+      </p:grpSpPr>
+      <p:sp>
+        <p:nvSpPr>
+          <p:cNvPr id="2" name="Title 1">
+            <a:extLst>
+              <a:ext uri="{FF2B5EF4-FFF2-40B4-BE49-F238E27FC236}">
+                <a16:creationId xmlns:a16="http://schemas.microsoft.com/office/drawing/2014/main" id="{01EEB4AE-DB0F-878C-1378-78ECFA589E41}"/>
+              </a:ext>
+            </a:extLst>
+          </p:cNvPr>
+          <p:cNvSpPr>
+            <a:spLocks noGrp="1"/>
+          </p:cNvSpPr>
+          <p:nvPr>
+            <p:ph type="title"/>
+          </p:nvPr>
+        </p:nvSpPr>
+        <p:spPr/>
+        <p:txBody>
+          <a:bodyPr/>
+          <a:lstStyle/>
+          <a:p>
+            <a:r>
+              <a:rPr lang="en-US"/>
+              <a:t>Bilingual Evaluation Understudy (BLEU)</a:t>
+            </a:r>
+          </a:p>
+        </p:txBody>
+      </p:sp>
+      <p:sp>
+        <p:nvSpPr>
+          <p:cNvPr id="3" name="Content Placeholder 2">
+            <a:extLst>
+              <a:ext uri="{FF2B5EF4-FFF2-40B4-BE49-F238E27FC236}">
+                <a16:creationId xmlns:a16="http://schemas.microsoft.com/office/drawing/2014/main" id="{1D80B6AA-8D91-2A6F-04BD-A787BD10910A}"/>
+              </a:ext>
+            </a:extLst>
+          </p:cNvPr>
+          <p:cNvSpPr>
+            <a:spLocks noGrp="1"/>
+          </p:cNvSpPr>
+          <p:nvPr>
+            <p:ph idx="1"/>
+          </p:nvPr>
+        </p:nvSpPr>
+        <p:spPr>
+          <a:xfrm>
+            <a:off x="838200" y="1831888"/>
+            <a:ext cx="10515600" cy="4351338"/>
+          </a:xfrm>
+        </p:spPr>
+        <p:txBody>
+          <a:bodyPr/>
+          <a:lstStyle/>
+          <a:p>
+            <a:r>
+              <a:rPr lang="en-US"/>
+              <a:t>Requires multiple ground truth reference</a:t>
+            </a:r>
+          </a:p>
+          <a:p>
+            <a:r>
+              <a:rPr lang="en-US"/>
+              <a:t>Depends on modified n-gram precision</a:t>
+            </a:r>
+          </a:p>
+          <a:p>
+            <a:r>
+              <a:rPr lang="en-US"/>
+              <a:t>Per-corpus n-gram co-occurrence is computed</a:t>
+            </a:r>
+          </a:p>
+        </p:txBody>
+      </p:sp>
+      <p:sp>
+        <p:nvSpPr>
+          <p:cNvPr id="5" name="TextBox 4">
+            <a:extLst>
+              <a:ext uri="{FF2B5EF4-FFF2-40B4-BE49-F238E27FC236}">
+                <a16:creationId xmlns:a16="http://schemas.microsoft.com/office/drawing/2014/main" id="{12754673-621C-39FA-C5F0-D729E6192791}"/>
+              </a:ext>
+            </a:extLst>
+          </p:cNvPr>
+          <p:cNvSpPr txBox="1"/>
+          <p:nvPr/>
+        </p:nvSpPr>
+        <p:spPr>
+          <a:xfrm>
+            <a:off x="7423960" y="1398312"/>
+            <a:ext cx="4068669" cy="369332"/>
+          </a:xfrm>
+          <a:prstGeom prst="rect">
+            <a:avLst/>
+          </a:prstGeom>
+          <a:noFill/>
+        </p:spPr>
+        <p:txBody>
+          <a:bodyPr wrap="square">
+            <a:spAutoFit/>
+          </a:bodyPr>
+          <a:lstStyle/>
+          <a:p>
+            <a:r>
+              <a:rPr lang="en-US"/>
+              <a:t>https://aclanthology.org/P02-1040.pdf</a:t>
+            </a:r>
+          </a:p>
+        </p:txBody>
+      </p:sp>
+    </p:spTree>
+    <p:extLst>
+      <p:ext uri="{BB962C8B-B14F-4D97-AF65-F5344CB8AC3E}">
+        <p14:creationId xmlns:p14="http://schemas.microsoft.com/office/powerpoint/2010/main" val="1695503199"/>
+      </p:ext>
+    </p:extLst>
+  </p:cSld>
+  <p:clrMapOvr>
+    <a:masterClrMapping/>
+  </p:clrMapOvr>
+</p:sld>
+</file>
+
 <file path=ppt/slides/slide2.xml><?xml version="1.0" encoding="utf-8"?>
 <p:sld xmlns:a="http://schemas.openxmlformats.org/drawingml/2006/main" xmlns:r="http://schemas.openxmlformats.org/officeDocument/2006/relationships" xmlns:p="http://schemas.openxmlformats.org/presentationml/2006/main">
   <p:cSld>
@@ -4643,6 +5039,946 @@
     <p:extLst>
       <p:ext uri="{BB962C8B-B14F-4D97-AF65-F5344CB8AC3E}">
         <p14:creationId xmlns:p14="http://schemas.microsoft.com/office/powerpoint/2010/main" val="2965670459"/>
+      </p:ext>
+    </p:extLst>
+  </p:cSld>
+  <p:clrMapOvr>
+    <a:masterClrMapping/>
+  </p:clrMapOvr>
+</p:sld>
+</file>
+
+<file path=ppt/slides/slide20.xml><?xml version="1.0" encoding="utf-8"?>
+<p:sld xmlns:a="http://schemas.openxmlformats.org/drawingml/2006/main" xmlns:r="http://schemas.openxmlformats.org/officeDocument/2006/relationships" xmlns:p="http://schemas.openxmlformats.org/presentationml/2006/main">
+  <p:cSld>
+    <p:spTree>
+      <p:nvGrpSpPr>
+        <p:cNvPr id="1" name=""/>
+        <p:cNvGrpSpPr/>
+        <p:nvPr/>
+      </p:nvGrpSpPr>
+      <p:grpSpPr>
+        <a:xfrm>
+          <a:off x="0" y="0"/>
+          <a:ext cx="0" cy="0"/>
+          <a:chOff x="0" y="0"/>
+          <a:chExt cx="0" cy="0"/>
+        </a:xfrm>
+      </p:grpSpPr>
+      <p:sp>
+        <p:nvSpPr>
+          <p:cNvPr id="2" name="Title 1">
+            <a:extLst>
+              <a:ext uri="{FF2B5EF4-FFF2-40B4-BE49-F238E27FC236}">
+                <a16:creationId xmlns:a16="http://schemas.microsoft.com/office/drawing/2014/main" id="{01EEB4AE-DB0F-878C-1378-78ECFA589E41}"/>
+              </a:ext>
+            </a:extLst>
+          </p:cNvPr>
+          <p:cNvSpPr>
+            <a:spLocks noGrp="1"/>
+          </p:cNvSpPr>
+          <p:nvPr>
+            <p:ph type="title"/>
+          </p:nvPr>
+        </p:nvSpPr>
+        <p:spPr/>
+        <p:txBody>
+          <a:bodyPr/>
+          <a:lstStyle/>
+          <a:p>
+            <a:r>
+              <a:rPr lang="en-US"/>
+              <a:t>Bilingual Evaluation Understudy (BLEU)</a:t>
+            </a:r>
+          </a:p>
+        </p:txBody>
+      </p:sp>
+      <p:sp>
+        <p:nvSpPr>
+          <p:cNvPr id="3" name="Content Placeholder 2">
+            <a:extLst>
+              <a:ext uri="{FF2B5EF4-FFF2-40B4-BE49-F238E27FC236}">
+                <a16:creationId xmlns:a16="http://schemas.microsoft.com/office/drawing/2014/main" id="{1D80B6AA-8D91-2A6F-04BD-A787BD10910A}"/>
+              </a:ext>
+            </a:extLst>
+          </p:cNvPr>
+          <p:cNvSpPr>
+            <a:spLocks noGrp="1"/>
+          </p:cNvSpPr>
+          <p:nvPr>
+            <p:ph idx="1"/>
+          </p:nvPr>
+        </p:nvSpPr>
+        <p:spPr>
+          <a:xfrm>
+            <a:off x="838200" y="1831888"/>
+            <a:ext cx="10515600" cy="4351338"/>
+          </a:xfrm>
+        </p:spPr>
+        <p:txBody>
+          <a:bodyPr>
+            <a:normAutofit fontScale="77500" lnSpcReduction="20000"/>
+          </a:bodyPr>
+          <a:lstStyle/>
+          <a:p>
+            <a:r>
+              <a:rPr lang="en-US"/>
+              <a:t>Brevity penalty is applied</a:t>
+            </a:r>
+          </a:p>
+          <a:p>
+            <a:endParaRPr lang="en-US"/>
+          </a:p>
+          <a:p>
+            <a:endParaRPr lang="en-US"/>
+          </a:p>
+          <a:p>
+            <a:endParaRPr lang="en-US"/>
+          </a:p>
+          <a:p>
+            <a:r>
+              <a:rPr lang="en-US"/>
+              <a:t>Compute,</a:t>
+            </a:r>
+          </a:p>
+          <a:p>
+            <a:endParaRPr lang="en-US"/>
+          </a:p>
+          <a:p>
+            <a:pPr marL="0" indent="0">
+              <a:buNone/>
+            </a:pPr>
+            <a:endParaRPr lang="en-US"/>
+          </a:p>
+          <a:p>
+            <a:pPr marL="0" indent="0">
+              <a:buNone/>
+            </a:pPr>
+            <a:endParaRPr lang="en-US"/>
+          </a:p>
+          <a:p>
+            <a:r>
+              <a:rPr lang="en-US"/>
+              <a:t>p_n: geometric average of the modified n-gram precision</a:t>
+            </a:r>
+          </a:p>
+          <a:p>
+            <a:pPr lvl="1"/>
+            <a:r>
+              <a:rPr lang="en-US" b="0" i="0" u="none" strike="noStrike">
+                <a:solidFill>
+                  <a:srgbClr val="242424"/>
+                </a:solidFill>
+                <a:effectLst/>
+                <a:latin typeface="source-serif-pro"/>
+              </a:rPr>
+              <a:t>the number of n-grams that appear in both the machine-generated translation and the reference translations divided by the total number of n-grams in the machine-generated translation.</a:t>
+            </a:r>
+            <a:endParaRPr lang="en-US"/>
+          </a:p>
+          <a:p>
+            <a:r>
+              <a:rPr lang="en-US"/>
+              <a:t>w_n: positive weights summing to one (uniform weight: 1/N)</a:t>
+            </a:r>
+          </a:p>
+          <a:p>
+            <a:pPr lvl="1"/>
+            <a:endParaRPr lang="en-US"/>
+          </a:p>
+          <a:p>
+            <a:endParaRPr lang="en-US"/>
+          </a:p>
+        </p:txBody>
+      </p:sp>
+      <p:pic>
+        <p:nvPicPr>
+          <p:cNvPr id="6" name="Picture 5">
+            <a:extLst>
+              <a:ext uri="{FF2B5EF4-FFF2-40B4-BE49-F238E27FC236}">
+                <a16:creationId xmlns:a16="http://schemas.microsoft.com/office/drawing/2014/main" id="{30F91AEE-7BFF-59FA-7378-20F1336878E0}"/>
+              </a:ext>
+            </a:extLst>
+          </p:cNvPr>
+          <p:cNvPicPr>
+            <a:picLocks noChangeAspect="1"/>
+          </p:cNvPicPr>
+          <p:nvPr/>
+        </p:nvPicPr>
+        <p:blipFill>
+          <a:blip r:embed="rId2"/>
+          <a:stretch>
+            <a:fillRect/>
+          </a:stretch>
+        </p:blipFill>
+        <p:spPr>
+          <a:xfrm>
+            <a:off x="4264503" y="2363621"/>
+            <a:ext cx="3233049" cy="720508"/>
+          </a:xfrm>
+          <a:prstGeom prst="rect">
+            <a:avLst/>
+          </a:prstGeom>
+        </p:spPr>
+      </p:pic>
+      <p:pic>
+        <p:nvPicPr>
+          <p:cNvPr id="7" name="Picture 6">
+            <a:extLst>
+              <a:ext uri="{FF2B5EF4-FFF2-40B4-BE49-F238E27FC236}">
+                <a16:creationId xmlns:a16="http://schemas.microsoft.com/office/drawing/2014/main" id="{66E9943C-9D5A-E788-B52A-BCA324CAC0A3}"/>
+              </a:ext>
+            </a:extLst>
+          </p:cNvPr>
+          <p:cNvPicPr>
+            <a:picLocks noChangeAspect="1"/>
+          </p:cNvPicPr>
+          <p:nvPr/>
+        </p:nvPicPr>
+        <p:blipFill>
+          <a:blip r:embed="rId3"/>
+          <a:stretch>
+            <a:fillRect/>
+          </a:stretch>
+        </p:blipFill>
+        <p:spPr>
+          <a:xfrm>
+            <a:off x="3961658" y="3624820"/>
+            <a:ext cx="4268684" cy="846377"/>
+          </a:xfrm>
+          <a:prstGeom prst="rect">
+            <a:avLst/>
+          </a:prstGeom>
+        </p:spPr>
+      </p:pic>
+    </p:spTree>
+    <p:extLst>
+      <p:ext uri="{BB962C8B-B14F-4D97-AF65-F5344CB8AC3E}">
+        <p14:creationId xmlns:p14="http://schemas.microsoft.com/office/powerpoint/2010/main" val="394640584"/>
+      </p:ext>
+    </p:extLst>
+  </p:cSld>
+  <p:clrMapOvr>
+    <a:masterClrMapping/>
+  </p:clrMapOvr>
+</p:sld>
+</file>
+
+<file path=ppt/slides/slide21.xml><?xml version="1.0" encoding="utf-8"?>
+<p:sld xmlns:a="http://schemas.openxmlformats.org/drawingml/2006/main" xmlns:r="http://schemas.openxmlformats.org/officeDocument/2006/relationships" xmlns:p="http://schemas.openxmlformats.org/presentationml/2006/main">
+  <p:cSld>
+    <p:spTree>
+      <p:nvGrpSpPr>
+        <p:cNvPr id="1" name=""/>
+        <p:cNvGrpSpPr/>
+        <p:nvPr/>
+      </p:nvGrpSpPr>
+      <p:grpSpPr>
+        <a:xfrm>
+          <a:off x="0" y="0"/>
+          <a:ext cx="0" cy="0"/>
+          <a:chOff x="0" y="0"/>
+          <a:chExt cx="0" cy="0"/>
+        </a:xfrm>
+      </p:grpSpPr>
+      <p:sp>
+        <p:nvSpPr>
+          <p:cNvPr id="2" name="Title 1">
+            <a:extLst>
+              <a:ext uri="{FF2B5EF4-FFF2-40B4-BE49-F238E27FC236}">
+                <a16:creationId xmlns:a16="http://schemas.microsoft.com/office/drawing/2014/main" id="{8F646796-16B4-0BB1-E60A-D2DEE9D3502B}"/>
+              </a:ext>
+            </a:extLst>
+          </p:cNvPr>
+          <p:cNvSpPr>
+            <a:spLocks noGrp="1"/>
+          </p:cNvSpPr>
+          <p:nvPr>
+            <p:ph type="title"/>
+          </p:nvPr>
+        </p:nvSpPr>
+        <p:spPr/>
+        <p:txBody>
+          <a:bodyPr/>
+          <a:lstStyle/>
+          <a:p>
+            <a:r>
+              <a:rPr lang="en-US"/>
+              <a:t>ROUGE-N</a:t>
+            </a:r>
+          </a:p>
+        </p:txBody>
+      </p:sp>
+      <p:sp>
+        <p:nvSpPr>
+          <p:cNvPr id="3" name="Content Placeholder 2">
+            <a:extLst>
+              <a:ext uri="{FF2B5EF4-FFF2-40B4-BE49-F238E27FC236}">
+                <a16:creationId xmlns:a16="http://schemas.microsoft.com/office/drawing/2014/main" id="{E4AAA3D2-76A2-F02C-BACA-96ECCAEF8E82}"/>
+              </a:ext>
+            </a:extLst>
+          </p:cNvPr>
+          <p:cNvSpPr>
+            <a:spLocks noGrp="1"/>
+          </p:cNvSpPr>
+          <p:nvPr>
+            <p:ph idx="1"/>
+          </p:nvPr>
+        </p:nvSpPr>
+        <p:spPr>
+          <a:xfrm>
+            <a:off x="838200" y="3144033"/>
+            <a:ext cx="10515600" cy="3032930"/>
+          </a:xfrm>
+        </p:spPr>
+        <p:txBody>
+          <a:bodyPr/>
+          <a:lstStyle/>
+          <a:p>
+            <a:r>
+              <a:rPr lang="en-US"/>
+              <a:t>n-gram based comparisons between a generated summary X and human summary h.</a:t>
+            </a:r>
+          </a:p>
+          <a:p>
+            <a:r>
+              <a:rPr lang="en-US"/>
+              <a:t>X_n(i) is the number of the n-gram i occurred in the summary </a:t>
+            </a:r>
+          </a:p>
+          <a:p>
+            <a:r>
+              <a:rPr lang="en-US"/>
+              <a:t>M_n(i, j) number of n-gram i occurred in jth human summary</a:t>
+            </a:r>
+          </a:p>
+        </p:txBody>
+      </p:sp>
+      <p:sp>
+        <p:nvSpPr>
+          <p:cNvPr id="5" name="TextBox 4">
+            <a:extLst>
+              <a:ext uri="{FF2B5EF4-FFF2-40B4-BE49-F238E27FC236}">
+                <a16:creationId xmlns:a16="http://schemas.microsoft.com/office/drawing/2014/main" id="{8BFD515C-0841-D408-BAD9-CAB80B8ADA55}"/>
+              </a:ext>
+            </a:extLst>
+          </p:cNvPr>
+          <p:cNvSpPr txBox="1"/>
+          <p:nvPr/>
+        </p:nvSpPr>
+        <p:spPr>
+          <a:xfrm>
+            <a:off x="5915416" y="6308209"/>
+            <a:ext cx="6093912" cy="369332"/>
+          </a:xfrm>
+          <a:prstGeom prst="rect">
+            <a:avLst/>
+          </a:prstGeom>
+          <a:noFill/>
+        </p:spPr>
+        <p:txBody>
+          <a:bodyPr wrap="square">
+            <a:spAutoFit/>
+          </a:bodyPr>
+          <a:lstStyle/>
+          <a:p>
+            <a:r>
+              <a:rPr lang="en-US" sz="1800">
+                <a:effectLst/>
+                <a:latin typeface="Calibri" panose="020F0502020204030204" pitchFamily="34" charset="0"/>
+                <a:hlinkClick r:id="rId2"/>
+              </a:rPr>
+              <a:t>https://dl.acm.org/doi/pdf/10.5555/1273073.1273093</a:t>
+            </a:r>
+            <a:r>
+              <a:rPr lang="en-US" sz="1800">
+                <a:effectLst/>
+                <a:latin typeface="Calibri" panose="020F0502020204030204" pitchFamily="34" charset="0"/>
+              </a:rPr>
+              <a:t>  </a:t>
+            </a:r>
+            <a:endParaRPr lang="en-US">
+              <a:effectLst/>
+            </a:endParaRPr>
+          </a:p>
+        </p:txBody>
+      </p:sp>
+      <p:pic>
+        <p:nvPicPr>
+          <p:cNvPr id="6" name="Picture 5">
+            <a:extLst>
+              <a:ext uri="{FF2B5EF4-FFF2-40B4-BE49-F238E27FC236}">
+                <a16:creationId xmlns:a16="http://schemas.microsoft.com/office/drawing/2014/main" id="{272AF779-7459-6D15-74E9-BCF6DA6703EA}"/>
+              </a:ext>
+            </a:extLst>
+          </p:cNvPr>
+          <p:cNvPicPr>
+            <a:picLocks noChangeAspect="1"/>
+          </p:cNvPicPr>
+          <p:nvPr/>
+        </p:nvPicPr>
+        <p:blipFill>
+          <a:blip r:embed="rId3"/>
+          <a:stretch>
+            <a:fillRect/>
+          </a:stretch>
+        </p:blipFill>
+        <p:spPr>
+          <a:xfrm>
+            <a:off x="3376875" y="1821934"/>
+            <a:ext cx="5438249" cy="934407"/>
+          </a:xfrm>
+          <a:prstGeom prst="rect">
+            <a:avLst/>
+          </a:prstGeom>
+        </p:spPr>
+      </p:pic>
+    </p:spTree>
+    <p:extLst>
+      <p:ext uri="{BB962C8B-B14F-4D97-AF65-F5344CB8AC3E}">
+        <p14:creationId xmlns:p14="http://schemas.microsoft.com/office/powerpoint/2010/main" val="1997514833"/>
+      </p:ext>
+    </p:extLst>
+  </p:cSld>
+  <p:clrMapOvr>
+    <a:masterClrMapping/>
+  </p:clrMapOvr>
+</p:sld>
+</file>
+
+<file path=ppt/slides/slide22.xml><?xml version="1.0" encoding="utf-8"?>
+<p:sld xmlns:a="http://schemas.openxmlformats.org/drawingml/2006/main" xmlns:r="http://schemas.openxmlformats.org/officeDocument/2006/relationships" xmlns:p="http://schemas.openxmlformats.org/presentationml/2006/main">
+  <p:cSld>
+    <p:spTree>
+      <p:nvGrpSpPr>
+        <p:cNvPr id="1" name=""/>
+        <p:cNvGrpSpPr/>
+        <p:nvPr/>
+      </p:nvGrpSpPr>
+      <p:grpSpPr>
+        <a:xfrm>
+          <a:off x="0" y="0"/>
+          <a:ext cx="0" cy="0"/>
+          <a:chOff x="0" y="0"/>
+          <a:chExt cx="0" cy="0"/>
+        </a:xfrm>
+      </p:grpSpPr>
+      <p:pic>
+        <p:nvPicPr>
+          <p:cNvPr id="9" name="Content Placeholder 8">
+            <a:extLst>
+              <a:ext uri="{FF2B5EF4-FFF2-40B4-BE49-F238E27FC236}">
+                <a16:creationId xmlns:a16="http://schemas.microsoft.com/office/drawing/2014/main" id="{FB67E115-D8F6-EB18-5B02-E5BF14AC8281}"/>
+              </a:ext>
+            </a:extLst>
+          </p:cNvPr>
+          <p:cNvPicPr>
+            <a:picLocks noGrp="1" noChangeAspect="1"/>
+          </p:cNvPicPr>
+          <p:nvPr>
+            <p:ph idx="1"/>
+          </p:nvPr>
+        </p:nvPicPr>
+        <p:blipFill>
+          <a:blip r:embed="rId2"/>
+          <a:stretch>
+            <a:fillRect/>
+          </a:stretch>
+        </p:blipFill>
+        <p:spPr>
+          <a:xfrm>
+            <a:off x="1111869" y="565987"/>
+            <a:ext cx="9968263" cy="5726026"/>
+          </a:xfrm>
+          <a:prstGeom prst="rect">
+            <a:avLst/>
+          </a:prstGeom>
+        </p:spPr>
+      </p:pic>
+    </p:spTree>
+    <p:extLst>
+      <p:ext uri="{BB962C8B-B14F-4D97-AF65-F5344CB8AC3E}">
+        <p14:creationId xmlns:p14="http://schemas.microsoft.com/office/powerpoint/2010/main" val="2189909410"/>
+      </p:ext>
+    </p:extLst>
+  </p:cSld>
+  <p:clrMapOvr>
+    <a:masterClrMapping/>
+  </p:clrMapOvr>
+</p:sld>
+</file>
+
+<file path=ppt/slides/slide23.xml><?xml version="1.0" encoding="utf-8"?>
+<p:sld xmlns:a="http://schemas.openxmlformats.org/drawingml/2006/main" xmlns:r="http://schemas.openxmlformats.org/officeDocument/2006/relationships" xmlns:p="http://schemas.openxmlformats.org/presentationml/2006/main">
+  <p:cSld>
+    <p:spTree>
+      <p:nvGrpSpPr>
+        <p:cNvPr id="1" name=""/>
+        <p:cNvGrpSpPr/>
+        <p:nvPr/>
+      </p:nvGrpSpPr>
+      <p:grpSpPr>
+        <a:xfrm>
+          <a:off x="0" y="0"/>
+          <a:ext cx="0" cy="0"/>
+          <a:chOff x="0" y="0"/>
+          <a:chExt cx="0" cy="0"/>
+        </a:xfrm>
+      </p:grpSpPr>
+      <p:sp>
+        <p:nvSpPr>
+          <p:cNvPr id="2" name="Title 1">
+            <a:extLst>
+              <a:ext uri="{FF2B5EF4-FFF2-40B4-BE49-F238E27FC236}">
+                <a16:creationId xmlns:a16="http://schemas.microsoft.com/office/drawing/2014/main" id="{81723B84-D1F7-3FDC-8569-ED273C48F1B7}"/>
+              </a:ext>
+            </a:extLst>
+          </p:cNvPr>
+          <p:cNvSpPr>
+            <a:spLocks noGrp="1"/>
+          </p:cNvSpPr>
+          <p:nvPr>
+            <p:ph type="title"/>
+          </p:nvPr>
+        </p:nvSpPr>
+        <p:spPr/>
+        <p:txBody>
+          <a:bodyPr/>
+          <a:lstStyle/>
+          <a:p>
+            <a:r>
+              <a:rPr lang="en-US"/>
+              <a:t>Flesch-Kincaid Grade Level (FKGL)</a:t>
+            </a:r>
+          </a:p>
+        </p:txBody>
+      </p:sp>
+      <p:pic>
+        <p:nvPicPr>
+          <p:cNvPr id="4" name="Content Placeholder 3">
+            <a:extLst>
+              <a:ext uri="{FF2B5EF4-FFF2-40B4-BE49-F238E27FC236}">
+                <a16:creationId xmlns:a16="http://schemas.microsoft.com/office/drawing/2014/main" id="{9B33AA88-06F1-B814-C628-386A4DAE6031}"/>
+              </a:ext>
+            </a:extLst>
+          </p:cNvPr>
+          <p:cNvPicPr>
+            <a:picLocks noGrp="1" noChangeAspect="1"/>
+          </p:cNvPicPr>
+          <p:nvPr>
+            <p:ph idx="1"/>
+          </p:nvPr>
+        </p:nvPicPr>
+        <p:blipFill>
+          <a:blip r:embed="rId2"/>
+          <a:stretch>
+            <a:fillRect/>
+          </a:stretch>
+        </p:blipFill>
+        <p:spPr>
+          <a:xfrm>
+            <a:off x="2712595" y="1824810"/>
+            <a:ext cx="6766810" cy="598976"/>
+          </a:xfrm>
+          <a:prstGeom prst="rect">
+            <a:avLst/>
+          </a:prstGeom>
+        </p:spPr>
+      </p:pic>
+      <p:pic>
+        <p:nvPicPr>
+          <p:cNvPr id="5" name="Picture 4">
+            <a:extLst>
+              <a:ext uri="{FF2B5EF4-FFF2-40B4-BE49-F238E27FC236}">
+                <a16:creationId xmlns:a16="http://schemas.microsoft.com/office/drawing/2014/main" id="{C1EC6716-2C86-676F-E1E1-E771A76B5B3A}"/>
+              </a:ext>
+            </a:extLst>
+          </p:cNvPr>
+          <p:cNvPicPr>
+            <a:picLocks noChangeAspect="1"/>
+          </p:cNvPicPr>
+          <p:nvPr/>
+        </p:nvPicPr>
+        <p:blipFill>
+          <a:blip r:embed="rId3"/>
+          <a:stretch>
+            <a:fillRect/>
+          </a:stretch>
+        </p:blipFill>
+        <p:spPr>
+          <a:xfrm>
+            <a:off x="2209800" y="2949438"/>
+            <a:ext cx="7772400" cy="2969553"/>
+          </a:xfrm>
+          <a:prstGeom prst="rect">
+            <a:avLst/>
+          </a:prstGeom>
+        </p:spPr>
+      </p:pic>
+    </p:spTree>
+    <p:extLst>
+      <p:ext uri="{BB962C8B-B14F-4D97-AF65-F5344CB8AC3E}">
+        <p14:creationId xmlns:p14="http://schemas.microsoft.com/office/powerpoint/2010/main" val="2110944166"/>
+      </p:ext>
+    </p:extLst>
+  </p:cSld>
+  <p:clrMapOvr>
+    <a:masterClrMapping/>
+  </p:clrMapOvr>
+</p:sld>
+</file>
+
+<file path=ppt/slides/slide24.xml><?xml version="1.0" encoding="utf-8"?>
+<p:sld xmlns:a="http://schemas.openxmlformats.org/drawingml/2006/main" xmlns:r="http://schemas.openxmlformats.org/officeDocument/2006/relationships" xmlns:p="http://schemas.openxmlformats.org/presentationml/2006/main">
+  <p:cSld>
+    <p:spTree>
+      <p:nvGrpSpPr>
+        <p:cNvPr id="1" name=""/>
+        <p:cNvGrpSpPr/>
+        <p:nvPr/>
+      </p:nvGrpSpPr>
+      <p:grpSpPr>
+        <a:xfrm>
+          <a:off x="0" y="0"/>
+          <a:ext cx="0" cy="0"/>
+          <a:chOff x="0" y="0"/>
+          <a:chExt cx="0" cy="0"/>
+        </a:xfrm>
+      </p:grpSpPr>
+      <p:sp>
+        <p:nvSpPr>
+          <p:cNvPr id="2" name="Title 1">
+            <a:extLst>
+              <a:ext uri="{FF2B5EF4-FFF2-40B4-BE49-F238E27FC236}">
+                <a16:creationId xmlns:a16="http://schemas.microsoft.com/office/drawing/2014/main" id="{C5B66F88-F265-B9C6-714E-4EA35145B243}"/>
+              </a:ext>
+            </a:extLst>
+          </p:cNvPr>
+          <p:cNvSpPr>
+            <a:spLocks noGrp="1"/>
+          </p:cNvSpPr>
+          <p:nvPr>
+            <p:ph type="title"/>
+          </p:nvPr>
+        </p:nvSpPr>
+        <p:spPr/>
+        <p:txBody>
+          <a:bodyPr/>
+          <a:lstStyle/>
+          <a:p>
+            <a:r>
+              <a:rPr lang="en-US"/>
+              <a:t>Dale-Chall Readability Score (DCRS)</a:t>
+            </a:r>
+          </a:p>
+        </p:txBody>
+      </p:sp>
+      <p:pic>
+        <p:nvPicPr>
+          <p:cNvPr id="6" name="Content Placeholder 5">
+            <a:extLst>
+              <a:ext uri="{FF2B5EF4-FFF2-40B4-BE49-F238E27FC236}">
+                <a16:creationId xmlns:a16="http://schemas.microsoft.com/office/drawing/2014/main" id="{D678E36A-F2D7-2902-F2C9-D744352E240A}"/>
+              </a:ext>
+            </a:extLst>
+          </p:cNvPr>
+          <p:cNvPicPr>
+            <a:picLocks noGrp="1" noChangeAspect="1"/>
+          </p:cNvPicPr>
+          <p:nvPr>
+            <p:ph idx="1"/>
+          </p:nvPr>
+        </p:nvPicPr>
+        <p:blipFill>
+          <a:blip r:embed="rId2"/>
+          <a:stretch>
+            <a:fillRect/>
+          </a:stretch>
+        </p:blipFill>
+        <p:spPr>
+          <a:xfrm>
+            <a:off x="2855934" y="3474019"/>
+            <a:ext cx="6480132" cy="2846308"/>
+          </a:xfrm>
+          <a:prstGeom prst="rect">
+            <a:avLst/>
+          </a:prstGeom>
+        </p:spPr>
+      </p:pic>
+      <p:pic>
+        <p:nvPicPr>
+          <p:cNvPr id="5" name="Picture 4">
+            <a:extLst>
+              <a:ext uri="{FF2B5EF4-FFF2-40B4-BE49-F238E27FC236}">
+                <a16:creationId xmlns:a16="http://schemas.microsoft.com/office/drawing/2014/main" id="{7A051EF4-D678-A921-8A2A-65CAFF1F2BB6}"/>
+              </a:ext>
+            </a:extLst>
+          </p:cNvPr>
+          <p:cNvPicPr>
+            <a:picLocks noChangeAspect="1"/>
+          </p:cNvPicPr>
+          <p:nvPr/>
+        </p:nvPicPr>
+        <p:blipFill>
+          <a:blip r:embed="rId3"/>
+          <a:stretch>
+            <a:fillRect/>
+          </a:stretch>
+        </p:blipFill>
+        <p:spPr>
+          <a:xfrm>
+            <a:off x="3347459" y="1653352"/>
+            <a:ext cx="5497083" cy="532440"/>
+          </a:xfrm>
+          <a:prstGeom prst="rect">
+            <a:avLst/>
+          </a:prstGeom>
+        </p:spPr>
+      </p:pic>
+      <p:sp>
+        <p:nvSpPr>
+          <p:cNvPr id="7" name="TextBox 6">
+            <a:extLst>
+              <a:ext uri="{FF2B5EF4-FFF2-40B4-BE49-F238E27FC236}">
+                <a16:creationId xmlns:a16="http://schemas.microsoft.com/office/drawing/2014/main" id="{2630F9EE-B624-FD19-2064-7C7DDDF7358D}"/>
+              </a:ext>
+            </a:extLst>
+          </p:cNvPr>
+          <p:cNvSpPr txBox="1"/>
+          <p:nvPr/>
+        </p:nvSpPr>
+        <p:spPr>
+          <a:xfrm>
+            <a:off x="757825" y="2505205"/>
+            <a:ext cx="10734805" cy="646331"/>
+          </a:xfrm>
+          <a:prstGeom prst="rect">
+            <a:avLst/>
+          </a:prstGeom>
+          <a:noFill/>
+        </p:spPr>
+        <p:txBody>
+          <a:bodyPr wrap="square" rtlCol="0">
+            <a:spAutoFit/>
+          </a:bodyPr>
+          <a:lstStyle/>
+          <a:p>
+            <a:r>
+              <a:rPr lang="en-US"/>
+              <a:t>Difficult words are the words that are not in the pre-defined familiar words, for example, </a:t>
+            </a:r>
+            <a:r>
+              <a:rPr lang="en-US">
+                <a:hlinkClick r:id="rId4"/>
+              </a:rPr>
+              <a:t>3,000 familiar words</a:t>
+            </a:r>
+            <a:r>
+              <a:rPr lang="en-US"/>
+              <a:t> to fourth-grade students.</a:t>
+            </a:r>
+          </a:p>
+        </p:txBody>
+      </p:sp>
+    </p:spTree>
+    <p:extLst>
+      <p:ext uri="{BB962C8B-B14F-4D97-AF65-F5344CB8AC3E}">
+        <p14:creationId xmlns:p14="http://schemas.microsoft.com/office/powerpoint/2010/main" val="3185247036"/>
+      </p:ext>
+    </p:extLst>
+  </p:cSld>
+  <p:clrMapOvr>
+    <a:masterClrMapping/>
+  </p:clrMapOvr>
+</p:sld>
+</file>
+
+<file path=ppt/slides/slide25.xml><?xml version="1.0" encoding="utf-8"?>
+<p:sld xmlns:a="http://schemas.openxmlformats.org/drawingml/2006/main" xmlns:r="http://schemas.openxmlformats.org/officeDocument/2006/relationships" xmlns:p="http://schemas.openxmlformats.org/presentationml/2006/main">
+  <p:cSld>
+    <p:spTree>
+      <p:nvGrpSpPr>
+        <p:cNvPr id="1" name=""/>
+        <p:cNvGrpSpPr/>
+        <p:nvPr/>
+      </p:nvGrpSpPr>
+      <p:grpSpPr>
+        <a:xfrm>
+          <a:off x="0" y="0"/>
+          <a:ext cx="0" cy="0"/>
+          <a:chOff x="0" y="0"/>
+          <a:chExt cx="0" cy="0"/>
+        </a:xfrm>
+      </p:grpSpPr>
+      <p:sp>
+        <p:nvSpPr>
+          <p:cNvPr id="2" name="Title 1">
+            <a:extLst>
+              <a:ext uri="{FF2B5EF4-FFF2-40B4-BE49-F238E27FC236}">
+                <a16:creationId xmlns:a16="http://schemas.microsoft.com/office/drawing/2014/main" id="{6D27D6BD-F983-76ED-7EC3-62EDAC276782}"/>
+              </a:ext>
+            </a:extLst>
+          </p:cNvPr>
+          <p:cNvSpPr>
+            <a:spLocks noGrp="1"/>
+          </p:cNvSpPr>
+          <p:nvPr>
+            <p:ph type="title"/>
+          </p:nvPr>
+        </p:nvSpPr>
+        <p:spPr/>
+        <p:txBody>
+          <a:bodyPr/>
+          <a:lstStyle/>
+          <a:p>
+            <a:r>
+              <a:rPr lang="en-US"/>
+              <a:t>Coleman-Liau Index (CLI)</a:t>
+            </a:r>
+          </a:p>
+        </p:txBody>
+      </p:sp>
+      <p:sp>
+        <p:nvSpPr>
+          <p:cNvPr id="3" name="Content Placeholder 2">
+            <a:extLst>
+              <a:ext uri="{FF2B5EF4-FFF2-40B4-BE49-F238E27FC236}">
+                <a16:creationId xmlns:a16="http://schemas.microsoft.com/office/drawing/2014/main" id="{4A34D80C-807A-91AD-29DB-CD21E8E7D5DC}"/>
+              </a:ext>
+            </a:extLst>
+          </p:cNvPr>
+          <p:cNvSpPr>
+            <a:spLocks noGrp="1"/>
+          </p:cNvSpPr>
+          <p:nvPr>
+            <p:ph idx="1"/>
+          </p:nvPr>
+        </p:nvSpPr>
+        <p:spPr/>
+        <p:txBody>
+          <a:bodyPr/>
+          <a:lstStyle/>
+          <a:p>
+            <a:r>
+              <a:rPr lang="en-US"/>
+              <a:t>Same idea~!!</a:t>
+            </a:r>
+          </a:p>
+          <a:p>
+            <a:endParaRPr lang="en-US"/>
+          </a:p>
+          <a:p>
+            <a:endParaRPr lang="en-US"/>
+          </a:p>
+          <a:p>
+            <a:pPr lvl="1"/>
+            <a:r>
+              <a:rPr lang="en-US" i="1"/>
+              <a:t>L</a:t>
+            </a:r>
+            <a:r>
+              <a:rPr lang="en-US"/>
+              <a:t> is the average number of letters per 100 words</a:t>
+            </a:r>
+          </a:p>
+          <a:p>
+            <a:pPr lvl="1"/>
+            <a:r>
+              <a:rPr lang="en-US" i="1"/>
+              <a:t>S</a:t>
+            </a:r>
+            <a:r>
+              <a:rPr lang="en-US"/>
+              <a:t> is the average number of sentences per 100 words</a:t>
+            </a:r>
+          </a:p>
+          <a:p>
+            <a:pPr lvl="1"/>
+            <a:endParaRPr lang="en-US"/>
+          </a:p>
+          <a:p>
+            <a:r>
+              <a:rPr lang="en-US"/>
+              <a:t>CLI 14.5, roughly appropriate for a second-year undergraduate.</a:t>
+            </a:r>
+          </a:p>
+        </p:txBody>
+      </p:sp>
+      <p:pic>
+        <p:nvPicPr>
+          <p:cNvPr id="4" name="Picture 3">
+            <a:extLst>
+              <a:ext uri="{FF2B5EF4-FFF2-40B4-BE49-F238E27FC236}">
+                <a16:creationId xmlns:a16="http://schemas.microsoft.com/office/drawing/2014/main" id="{899B715B-FE8A-B8C1-2F4F-9ADB75662D4F}"/>
+              </a:ext>
+            </a:extLst>
+          </p:cNvPr>
+          <p:cNvPicPr>
+            <a:picLocks noChangeAspect="1"/>
+          </p:cNvPicPr>
+          <p:nvPr/>
+        </p:nvPicPr>
+        <p:blipFill>
+          <a:blip r:embed="rId2"/>
+          <a:stretch>
+            <a:fillRect/>
+          </a:stretch>
+        </p:blipFill>
+        <p:spPr>
+          <a:xfrm>
+            <a:off x="3389422" y="2455102"/>
+            <a:ext cx="5413156" cy="386654"/>
+          </a:xfrm>
+          <a:prstGeom prst="rect">
+            <a:avLst/>
+          </a:prstGeom>
+        </p:spPr>
+      </p:pic>
+      <p:sp>
+        <p:nvSpPr>
+          <p:cNvPr id="6" name="TextBox 5">
+            <a:extLst>
+              <a:ext uri="{FF2B5EF4-FFF2-40B4-BE49-F238E27FC236}">
+                <a16:creationId xmlns:a16="http://schemas.microsoft.com/office/drawing/2014/main" id="{4748E049-FADC-357A-8646-08123B093129}"/>
+              </a:ext>
+            </a:extLst>
+          </p:cNvPr>
+          <p:cNvSpPr txBox="1"/>
+          <p:nvPr/>
+        </p:nvSpPr>
+        <p:spPr>
+          <a:xfrm>
+            <a:off x="674840" y="6176963"/>
+            <a:ext cx="6097044" cy="369332"/>
+          </a:xfrm>
+          <a:prstGeom prst="rect">
+            <a:avLst/>
+          </a:prstGeom>
+          <a:noFill/>
+        </p:spPr>
+        <p:txBody>
+          <a:bodyPr wrap="square">
+            <a:spAutoFit/>
+          </a:bodyPr>
+          <a:lstStyle/>
+          <a:p>
+            <a:r>
+              <a:rPr lang="en-US">
+                <a:hlinkClick r:id="rId3"/>
+              </a:rPr>
+              <a:t>https://www.readabilit.com/readability/coleman-liau-index</a:t>
+            </a:r>
+            <a:r>
+              <a:rPr lang="en-US"/>
+              <a:t> </a:t>
+            </a:r>
+          </a:p>
+        </p:txBody>
+      </p:sp>
+    </p:spTree>
+    <p:extLst>
+      <p:ext uri="{BB962C8B-B14F-4D97-AF65-F5344CB8AC3E}">
+        <p14:creationId xmlns:p14="http://schemas.microsoft.com/office/powerpoint/2010/main" val="3022600426"/>
       </p:ext>
     </p:extLst>
   </p:cSld>
